--- a/bigbluebutton-config/web/default.pptx
+++ b/bigbluebutton-config/web/default.pptx
@@ -1,6 +1,6 @@
 
 <file path=ppt/presentation.xml><?xml version="1.0" encoding="utf-8"?>
-<p:presentation xmlns:a="http://schemas.openxmlformats.org/drawingml/2006/main" xmlns:r="http://schemas.openxmlformats.org/officeDocument/2006/relationships" xmlns:p="http://schemas.openxmlformats.org/presentationml/2006/main">
+<p:presentation xmlns:a="http://schemas.openxmlformats.org/drawingml/2006/main" xmlns:r="http://schemas.openxmlformats.org/officeDocument/2006/relationships" xmlns:p="http://schemas.openxmlformats.org/presentationml/2006/main" saveSubsetFonts="1">
   <p:sldMasterIdLst>
     <p:sldMasterId id="2147483648" r:id="rId1"/>
   </p:sldMasterIdLst>
@@ -315,6 +315,22 @@
       </a:defRPr>
     </a:lvl9pPr>
   </p:defaultTextStyle>
+  <p:extLst>
+    <p:ext uri="{EFAFB233-063F-42B5-8137-9DF3F51BA10A}">
+      <p15:sldGuideLst xmlns:p15="http://schemas.microsoft.com/office/powerpoint/2012/main">
+        <p15:guide id="1" orient="horz" pos="4320">
+          <p15:clr>
+            <a:srgbClr val="A4A3A4"/>
+          </p15:clr>
+        </p15:guide>
+        <p15:guide id="2" pos="7680">
+          <p15:clr>
+            <a:srgbClr val="A4A3A4"/>
+          </p15:clr>
+        </p15:guide>
+      </p15:sldGuideLst>
+    </p:ext>
+  </p:extLst>
 </p:presentation>
 </file>
 
@@ -677,7 +693,7 @@
   <p:clrMapOvr>
     <a:masterClrMapping/>
   </p:clrMapOvr>
-  <p:transition xmlns:p14="http://schemas.microsoft.com/office/powerpoint/2010/main" spd="med"/>
+  <p:transition spd="med"/>
 </p:sldLayout>
 </file>
 
@@ -814,7 +830,7 @@
   <p:clrMapOvr>
     <a:masterClrMapping/>
   </p:clrMapOvr>
-  <p:transition xmlns:p14="http://schemas.microsoft.com/office/powerpoint/2010/main" spd="med"/>
+  <p:transition spd="med"/>
 </p:sldLayout>
 </file>
 
@@ -895,7 +911,7 @@
   <p:clrMapOvr>
     <a:masterClrMapping/>
   </p:clrMapOvr>
-  <p:transition xmlns:p14="http://schemas.microsoft.com/office/powerpoint/2010/main" spd="med"/>
+  <p:transition spd="med"/>
 </p:sldLayout>
 </file>
 
@@ -947,7 +963,7 @@
   <p:clrMapOvr>
     <a:masterClrMapping/>
   </p:clrMapOvr>
-  <p:transition xmlns:p14="http://schemas.microsoft.com/office/powerpoint/2010/main" spd="med"/>
+  <p:transition spd="med"/>
 </p:sldLayout>
 </file>
 
@@ -1151,7 +1167,7 @@
   <p:clrMapOvr>
     <a:masterClrMapping/>
   </p:clrMapOvr>
-  <p:transition xmlns:p14="http://schemas.microsoft.com/office/powerpoint/2010/main" spd="med"/>
+  <p:transition spd="med"/>
 </p:sldLayout>
 </file>
 
@@ -1232,7 +1248,7 @@
   <p:clrMapOvr>
     <a:masterClrMapping/>
   </p:clrMapOvr>
-  <p:transition xmlns:p14="http://schemas.microsoft.com/office/powerpoint/2010/main" spd="med"/>
+  <p:transition spd="med"/>
 </p:sldLayout>
 </file>
 
@@ -1440,7 +1456,7 @@
   <p:clrMapOvr>
     <a:masterClrMapping/>
   </p:clrMapOvr>
-  <p:transition xmlns:p14="http://schemas.microsoft.com/office/powerpoint/2010/main" spd="med"/>
+  <p:transition spd="med"/>
 </p:sldLayout>
 </file>
 
@@ -1517,7 +1533,7 @@
   <p:clrMapOvr>
     <a:masterClrMapping/>
   </p:clrMapOvr>
-  <p:transition xmlns:p14="http://schemas.microsoft.com/office/powerpoint/2010/main" spd="med"/>
+  <p:transition spd="med"/>
 </p:sldLayout>
 </file>
 
@@ -1659,7 +1675,7 @@
   <p:clrMapOvr>
     <a:masterClrMapping/>
   </p:clrMapOvr>
-  <p:transition xmlns:p14="http://schemas.microsoft.com/office/powerpoint/2010/main" spd="med"/>
+  <p:transition spd="med"/>
 </p:sldLayout>
 </file>
 
@@ -1849,7 +1865,7 @@
   <p:clrMapOvr>
     <a:masterClrMapping/>
   </p:clrMapOvr>
-  <p:transition xmlns:p14="http://schemas.microsoft.com/office/powerpoint/2010/main" spd="med"/>
+  <p:transition spd="med"/>
 </p:sldLayout>
 </file>
 
@@ -1970,7 +1986,7 @@
   <p:clrMapOvr>
     <a:masterClrMapping/>
   </p:clrMapOvr>
-  <p:transition xmlns:p14="http://schemas.microsoft.com/office/powerpoint/2010/main" spd="med"/>
+  <p:transition spd="med"/>
 </p:sldLayout>
 </file>
 
@@ -2109,7 +2125,7 @@
   <p:clrMapOvr>
     <a:masterClrMapping/>
   </p:clrMapOvr>
-  <p:transition xmlns:p14="http://schemas.microsoft.com/office/powerpoint/2010/main" spd="med"/>
+  <p:transition spd="med"/>
 </p:sldLayout>
 </file>
 
@@ -2301,7 +2317,7 @@
     <p:sldLayoutId id="2147483659" r:id="rId11"/>
     <p:sldLayoutId id="2147483660" r:id="rId12"/>
   </p:sldLayoutIdLst>
-  <p:transition xmlns:p14="http://schemas.microsoft.com/office/powerpoint/2010/main" spd="med"/>
+  <p:transition spd="med"/>
   <p:txStyles>
     <p:titleStyle>
       <a:lvl1pPr marL="0" marR="0" indent="0" algn="ctr" defTabSz="825500" rtl="0" latinLnBrk="0">
@@ -3099,6 +3115,14 @@
 <file path=ppt/slides/slide1.xml><?xml version="1.0" encoding="utf-8"?>
 <p:sld xmlns:a="http://schemas.openxmlformats.org/drawingml/2006/main" xmlns:r="http://schemas.openxmlformats.org/officeDocument/2006/relationships" xmlns:p="http://schemas.openxmlformats.org/presentationml/2006/main">
   <p:cSld>
+    <p:bg>
+      <p:bgPr>
+        <a:solidFill>
+          <a:schemeClr val="bg1"/>
+        </a:solidFill>
+        <a:effectLst/>
+      </p:bgPr>
+    </p:bg>
     <p:spTree>
       <p:nvGrpSpPr>
         <p:cNvPr id="1" name=""/>
@@ -3113,1988 +3137,46 @@
           <a:chExt cx="0" cy="0"/>
         </a:xfrm>
       </p:grpSpPr>
-      <p:sp>
-        <p:nvSpPr>
-          <p:cNvPr id="119" name="Rectangle"/>
-          <p:cNvSpPr/>
-          <p:nvPr/>
-        </p:nvSpPr>
-        <p:spPr>
-          <a:xfrm>
-            <a:off x="0" y="-63500"/>
-            <a:ext cx="24384000" cy="7484170"/>
-          </a:xfrm>
-          <a:prstGeom prst="rect">
-            <a:avLst/>
-          </a:prstGeom>
-          <a:solidFill>
-            <a:srgbClr val="0486DF">
-              <a:alpha val="5000"/>
-            </a:srgbClr>
-          </a:solidFill>
-          <a:ln w="12700">
-            <a:miter lim="400000"/>
-          </a:ln>
-        </p:spPr>
-        <p:txBody>
-          <a:bodyPr lIns="0" tIns="0" rIns="0" bIns="0" anchor="ctr"/>
-          <a:lstStyle/>
-          <a:p>
-            <a:pPr>
-              <a:defRPr sz="3200" b="0">
-                <a:solidFill>
-                  <a:srgbClr val="0F70D7"/>
-                </a:solidFill>
-                <a:latin typeface="+mn-lt"/>
-                <a:ea typeface="+mn-ea"/>
-                <a:cs typeface="+mn-cs"/>
-                <a:sym typeface="Helvetica Neue Medium"/>
-              </a:defRPr>
-            </a:pPr>
-            <a:endParaRPr/>
-          </a:p>
-        </p:txBody>
-      </p:sp>
-      <p:sp>
-        <p:nvSpPr>
-          <p:cNvPr id="120" name="Welcome To BigBlueButton"/>
-          <p:cNvSpPr txBox="1"/>
-          <p:nvPr/>
-        </p:nvSpPr>
-        <p:spPr>
-          <a:xfrm>
-            <a:off x="7224712" y="2330449"/>
-            <a:ext cx="9934576" cy="1079501"/>
-          </a:xfrm>
-          <a:prstGeom prst="rect">
-            <a:avLst/>
-          </a:prstGeom>
-          <a:ln w="12700">
-            <a:miter lim="400000"/>
-          </a:ln>
-          <a:extLst>
-            <a:ext uri="{C572A759-6A51-4108-AA02-DFA0A04FC94B}">
-              <ma14:wrappingTextBoxFlag xmlns:ma14="http://schemas.microsoft.com/office/mac/drawingml/2011/main" val="1"/>
-            </a:ext>
-          </a:extLst>
-        </p:spPr>
-        <p:txBody>
-          <a:bodyPr wrap="none" lIns="50800" tIns="50800" rIns="50800" bIns="50800" anchor="ctr">
-            <a:spAutoFit/>
-          </a:bodyPr>
-          <a:lstStyle>
-            <a:lvl1pPr>
-              <a:defRPr sz="6400" b="0">
-                <a:solidFill>
-                  <a:srgbClr val="06172A"/>
-                </a:solidFill>
-                <a:latin typeface="Helvetica"/>
-                <a:ea typeface="Helvetica"/>
-                <a:cs typeface="Helvetica"/>
-                <a:sym typeface="Helvetica"/>
-              </a:defRPr>
-            </a:lvl1pPr>
-          </a:lstStyle>
-          <a:p>
-            <a:r>
-              <a:t>Welcome To BigBlueButton</a:t>
-            </a:r>
-          </a:p>
-        </p:txBody>
-      </p:sp>
-      <p:sp>
-        <p:nvSpPr>
-          <p:cNvPr id="121" name="Line"/>
-          <p:cNvSpPr/>
-          <p:nvPr/>
-        </p:nvSpPr>
-        <p:spPr>
-          <a:xfrm>
-            <a:off x="11417300" y="4660900"/>
-            <a:ext cx="1549401" cy="0"/>
-          </a:xfrm>
-          <a:prstGeom prst="line">
-            <a:avLst/>
-          </a:prstGeom>
-          <a:ln w="25400">
-            <a:solidFill>
-              <a:srgbClr val="0F70D7"/>
-            </a:solidFill>
-            <a:miter lim="400000"/>
-          </a:ln>
-        </p:spPr>
-        <p:txBody>
-          <a:bodyPr lIns="0" tIns="0" rIns="0" bIns="0" anchor="ctr"/>
-          <a:lstStyle/>
-          <a:p>
-            <a:pPr>
-              <a:defRPr sz="3200" b="0">
-                <a:solidFill>
-                  <a:srgbClr val="FFFFFF"/>
-                </a:solidFill>
-                <a:latin typeface="+mn-lt"/>
-                <a:ea typeface="+mn-ea"/>
-                <a:cs typeface="+mn-cs"/>
-                <a:sym typeface="Helvetica Neue Medium"/>
-              </a:defRPr>
-            </a:pPr>
-            <a:endParaRPr/>
-          </a:p>
-        </p:txBody>
-      </p:sp>
-      <p:sp>
-        <p:nvSpPr>
-          <p:cNvPr id="122" name="BigBlueButton is an open source web conferencing system designed for online learning"/>
-          <p:cNvSpPr txBox="1"/>
-          <p:nvPr/>
-        </p:nvSpPr>
-        <p:spPr>
-          <a:xfrm>
-            <a:off x="4609734" y="3581400"/>
-            <a:ext cx="14834332" cy="558801"/>
-          </a:xfrm>
-          <a:prstGeom prst="rect">
-            <a:avLst/>
-          </a:prstGeom>
-          <a:ln w="12700">
-            <a:miter lim="400000"/>
-          </a:ln>
-          <a:extLst>
-            <a:ext uri="{C572A759-6A51-4108-AA02-DFA0A04FC94B}">
-              <ma14:wrappingTextBoxFlag xmlns:ma14="http://schemas.microsoft.com/office/mac/drawingml/2011/main" val="1"/>
-            </a:ext>
-          </a:extLst>
-        </p:spPr>
-        <p:txBody>
-          <a:bodyPr wrap="none" lIns="50800" tIns="50800" rIns="50800" bIns="50800" anchor="ctr">
-            <a:spAutoFit/>
-          </a:bodyPr>
-          <a:lstStyle>
-            <a:lvl1pPr>
-              <a:defRPr b="0">
-                <a:solidFill>
-                  <a:srgbClr val="4E5A66"/>
-                </a:solidFill>
-                <a:latin typeface="Helvetica"/>
-                <a:ea typeface="Helvetica"/>
-                <a:cs typeface="Helvetica"/>
-                <a:sym typeface="Helvetica"/>
-              </a:defRPr>
-            </a:lvl1pPr>
-          </a:lstStyle>
-          <a:p>
-            <a:r>
-              <a:t>BigBlueButton is an open source web conferencing system designed for online learning</a:t>
-            </a:r>
-          </a:p>
-        </p:txBody>
-      </p:sp>
-      <p:sp>
-        <p:nvSpPr>
-          <p:cNvPr id="123" name="t"/>
-          <p:cNvSpPr/>
-          <p:nvPr/>
-        </p:nvSpPr>
-        <p:spPr>
-          <a:xfrm>
-            <a:off x="1483568" y="5778500"/>
-            <a:ext cx="21416864" cy="5347593"/>
-          </a:xfrm>
-          <a:prstGeom prst="rect">
-            <a:avLst/>
-          </a:prstGeom>
-          <a:solidFill>
-            <a:srgbClr val="FFFFFF"/>
-          </a:solidFill>
-          <a:ln w="12700">
-            <a:miter lim="400000"/>
-          </a:ln>
-          <a:effectLst>
-            <a:outerShdw blurRad="228600" dist="25400" dir="5400000" rotWithShape="0">
-              <a:srgbClr val="000000">
-                <a:alpha val="5794"/>
-              </a:srgbClr>
-            </a:outerShdw>
-          </a:effectLst>
-          <a:extLst>
-            <a:ext uri="{C572A759-6A51-4108-AA02-DFA0A04FC94B}">
-              <ma14:wrappingTextBoxFlag xmlns:ma14="http://schemas.microsoft.com/office/mac/drawingml/2011/main" val="1"/>
-            </a:ext>
-          </a:extLst>
-        </p:spPr>
-        <p:txBody>
-          <a:bodyPr lIns="0" tIns="0" rIns="0" bIns="0" anchor="ctr"/>
-          <a:lstStyle>
-            <a:lvl1pPr>
-              <a:defRPr sz="3200" b="0">
-                <a:solidFill>
-                  <a:srgbClr val="FFFFFF"/>
-                </a:solidFill>
-                <a:latin typeface="+mn-lt"/>
-                <a:ea typeface="+mn-ea"/>
-                <a:cs typeface="+mn-cs"/>
-                <a:sym typeface="Helvetica Neue Medium"/>
-              </a:defRPr>
-            </a:lvl1pPr>
-          </a:lstStyle>
-          <a:p>
-            <a:r>
-              <a:t>t</a:t>
-            </a:r>
-          </a:p>
-        </p:txBody>
-      </p:sp>
-      <p:sp>
-        <p:nvSpPr>
-          <p:cNvPr id="124" name="Instant messaging"/>
-          <p:cNvSpPr txBox="1"/>
-          <p:nvPr/>
-        </p:nvSpPr>
-        <p:spPr>
-          <a:xfrm>
-            <a:off x="3549164" y="6546899"/>
-            <a:ext cx="3320208" cy="304801"/>
-          </a:xfrm>
-          <a:prstGeom prst="rect">
-            <a:avLst/>
-          </a:prstGeom>
-          <a:ln w="12700">
-            <a:miter lim="400000"/>
-          </a:ln>
-          <a:extLst>
-            <a:ext uri="{C572A759-6A51-4108-AA02-DFA0A04FC94B}">
-              <ma14:wrappingTextBoxFlag xmlns:ma14="http://schemas.microsoft.com/office/mac/drawingml/2011/main" val="1"/>
-            </a:ext>
-          </a:extLst>
-        </p:spPr>
-        <p:txBody>
-          <a:bodyPr lIns="0" tIns="0" rIns="0" bIns="0">
-            <a:spAutoFit/>
-          </a:bodyPr>
-          <a:lstStyle>
-            <a:lvl1pPr algn="l">
-              <a:defRPr sz="2000" cap="all" spc="100">
-                <a:solidFill>
-                  <a:srgbClr val="24262C"/>
-                </a:solidFill>
-                <a:latin typeface="Helvetica"/>
-                <a:ea typeface="Helvetica"/>
-                <a:cs typeface="Helvetica"/>
-                <a:sym typeface="Helvetica"/>
-              </a:defRPr>
-            </a:lvl1pPr>
-          </a:lstStyle>
-          <a:p>
-            <a:r>
-              <a:rPr lang="en-US" dirty="0" smtClean="0"/>
-              <a:t>Chat</a:t>
-            </a:r>
-            <a:endParaRPr dirty="0"/>
-          </a:p>
-        </p:txBody>
-      </p:sp>
-      <p:sp>
-        <p:nvSpPr>
-          <p:cNvPr id="125" name="Send public and private messages."/>
-          <p:cNvSpPr txBox="1"/>
-          <p:nvPr/>
-        </p:nvSpPr>
-        <p:spPr>
-          <a:xfrm>
-            <a:off x="3549164" y="7016799"/>
-            <a:ext cx="3320208" cy="1270001"/>
-          </a:xfrm>
-          <a:prstGeom prst="rect">
-            <a:avLst/>
-          </a:prstGeom>
-          <a:ln w="12700">
-            <a:miter lim="400000"/>
-          </a:ln>
-          <a:extLst>
-            <a:ext uri="{C572A759-6A51-4108-AA02-DFA0A04FC94B}">
-              <ma14:wrappingTextBoxFlag xmlns:ma14="http://schemas.microsoft.com/office/mac/drawingml/2011/main" val="1"/>
-            </a:ext>
-          </a:extLst>
-        </p:spPr>
-        <p:txBody>
-          <a:bodyPr lIns="0" tIns="0" rIns="0" bIns="0"/>
-          <a:lstStyle>
-            <a:lvl1pPr algn="l">
-              <a:lnSpc>
-                <a:spcPct val="120000"/>
-              </a:lnSpc>
-              <a:defRPr sz="2200" b="0" spc="66">
-                <a:solidFill>
-                  <a:srgbClr val="504E4E"/>
-                </a:solidFill>
-                <a:latin typeface="Helvetica"/>
-                <a:ea typeface="Helvetica"/>
-                <a:cs typeface="Helvetica"/>
-                <a:sym typeface="Helvetica"/>
-              </a:defRPr>
-            </a:lvl1pPr>
-          </a:lstStyle>
-          <a:p>
-            <a:r>
-              <a:t>Send public and private messages.</a:t>
-            </a:r>
-          </a:p>
-        </p:txBody>
-      </p:sp>
-      <p:sp>
-        <p:nvSpPr>
-          <p:cNvPr id="126" name="Circle"/>
-          <p:cNvSpPr/>
-          <p:nvPr/>
-        </p:nvSpPr>
-        <p:spPr>
-          <a:xfrm>
-            <a:off x="2205020" y="6573630"/>
-            <a:ext cx="1016001" cy="1016001"/>
-          </a:xfrm>
-          <a:prstGeom prst="ellipse">
-            <a:avLst/>
-          </a:prstGeom>
-          <a:solidFill>
-            <a:srgbClr val="0E70D7"/>
-          </a:solidFill>
-          <a:ln w="12700">
-            <a:miter lim="400000"/>
-          </a:ln>
-        </p:spPr>
-        <p:txBody>
-          <a:bodyPr lIns="38100" tIns="38100" rIns="38100" bIns="38100" anchor="ctr"/>
-          <a:lstStyle/>
-          <a:p>
-            <a:pPr algn="l">
-              <a:defRPr spc="-90">
-                <a:solidFill>
-                  <a:srgbClr val="0E70D7"/>
-                </a:solidFill>
-                <a:latin typeface="Helvetica"/>
-                <a:ea typeface="Helvetica"/>
-                <a:cs typeface="Helvetica"/>
-                <a:sym typeface="Helvetica"/>
-              </a:defRPr>
-            </a:pPr>
-            <a:endParaRPr/>
-          </a:p>
-        </p:txBody>
-      </p:sp>
-      <p:sp>
-        <p:nvSpPr>
-          <p:cNvPr id="127" name="Shared Webcams"/>
-          <p:cNvSpPr txBox="1"/>
-          <p:nvPr/>
-        </p:nvSpPr>
-        <p:spPr>
-          <a:xfrm>
-            <a:off x="8541660" y="6546899"/>
-            <a:ext cx="3320207" cy="304801"/>
-          </a:xfrm>
-          <a:prstGeom prst="rect">
-            <a:avLst/>
-          </a:prstGeom>
-          <a:ln w="12700">
-            <a:miter lim="400000"/>
-          </a:ln>
-          <a:extLst>
-            <a:ext uri="{C572A759-6A51-4108-AA02-DFA0A04FC94B}">
-              <ma14:wrappingTextBoxFlag xmlns:ma14="http://schemas.microsoft.com/office/mac/drawingml/2011/main" val="1"/>
-            </a:ext>
-          </a:extLst>
-        </p:spPr>
-        <p:txBody>
-          <a:bodyPr lIns="0" tIns="0" rIns="0" bIns="0">
-            <a:spAutoFit/>
-          </a:bodyPr>
-          <a:lstStyle>
-            <a:lvl1pPr algn="l">
-              <a:defRPr sz="2000" cap="all" spc="100">
-                <a:solidFill>
-                  <a:srgbClr val="24262C"/>
-                </a:solidFill>
-                <a:latin typeface="Helvetica"/>
-                <a:ea typeface="Helvetica"/>
-                <a:cs typeface="Helvetica"/>
-                <a:sym typeface="Helvetica"/>
-              </a:defRPr>
-            </a:lvl1pPr>
-          </a:lstStyle>
-          <a:p>
-            <a:r>
-              <a:rPr dirty="0" smtClean="0"/>
-              <a:t>Webcams</a:t>
-            </a:r>
-            <a:endParaRPr dirty="0"/>
-          </a:p>
-        </p:txBody>
-      </p:sp>
-      <p:sp>
-        <p:nvSpPr>
-          <p:cNvPr id="128" name="Hold visual meetings."/>
-          <p:cNvSpPr txBox="1"/>
-          <p:nvPr/>
-        </p:nvSpPr>
-        <p:spPr>
-          <a:xfrm>
-            <a:off x="8541660" y="7016799"/>
-            <a:ext cx="3320207" cy="1270001"/>
-          </a:xfrm>
-          <a:prstGeom prst="rect">
-            <a:avLst/>
-          </a:prstGeom>
-          <a:ln w="12700">
-            <a:miter lim="400000"/>
-          </a:ln>
-          <a:extLst>
-            <a:ext uri="{C572A759-6A51-4108-AA02-DFA0A04FC94B}">
-              <ma14:wrappingTextBoxFlag xmlns:ma14="http://schemas.microsoft.com/office/mac/drawingml/2011/main" val="1"/>
-            </a:ext>
-          </a:extLst>
-        </p:spPr>
-        <p:txBody>
-          <a:bodyPr lIns="0" tIns="0" rIns="0" bIns="0"/>
-          <a:lstStyle>
-            <a:lvl1pPr algn="l">
-              <a:lnSpc>
-                <a:spcPct val="120000"/>
-              </a:lnSpc>
-              <a:defRPr sz="2200" b="0" spc="66">
-                <a:solidFill>
-                  <a:srgbClr val="504E4E"/>
-                </a:solidFill>
-                <a:latin typeface="Helvetica"/>
-                <a:ea typeface="Helvetica"/>
-                <a:cs typeface="Helvetica"/>
-                <a:sym typeface="Helvetica"/>
-              </a:defRPr>
-            </a:lvl1pPr>
-          </a:lstStyle>
-          <a:p>
-            <a:r>
-              <a:t>Hold visual meetings.</a:t>
-            </a:r>
-          </a:p>
-        </p:txBody>
-      </p:sp>
-      <p:sp>
-        <p:nvSpPr>
-          <p:cNvPr id="129" name="Circle"/>
-          <p:cNvSpPr/>
-          <p:nvPr/>
-        </p:nvSpPr>
-        <p:spPr>
-          <a:xfrm>
-            <a:off x="7197515" y="6573630"/>
-            <a:ext cx="1016001" cy="1016001"/>
-          </a:xfrm>
-          <a:prstGeom prst="ellipse">
-            <a:avLst/>
-          </a:prstGeom>
-          <a:solidFill>
-            <a:srgbClr val="0E70D7"/>
-          </a:solidFill>
-          <a:ln w="12700">
-            <a:miter lim="400000"/>
-          </a:ln>
-        </p:spPr>
-        <p:txBody>
-          <a:bodyPr lIns="38100" tIns="38100" rIns="38100" bIns="38100" anchor="ctr"/>
-          <a:lstStyle/>
-          <a:p>
-            <a:pPr algn="l">
-              <a:defRPr spc="-90">
-                <a:solidFill>
-                  <a:srgbClr val="0E70D7"/>
-                </a:solidFill>
-                <a:latin typeface="Helvetica"/>
-                <a:ea typeface="Helvetica"/>
-                <a:cs typeface="Helvetica"/>
-                <a:sym typeface="Helvetica"/>
-              </a:defRPr>
-            </a:pPr>
-            <a:endParaRPr/>
-          </a:p>
-        </p:txBody>
-      </p:sp>
-      <p:sp>
-        <p:nvSpPr>
-          <p:cNvPr id="130" name="Audio conversations"/>
-          <p:cNvSpPr txBox="1"/>
-          <p:nvPr/>
-        </p:nvSpPr>
-        <p:spPr>
-          <a:xfrm>
-            <a:off x="13851655" y="6546899"/>
-            <a:ext cx="3320207" cy="304801"/>
-          </a:xfrm>
-          <a:prstGeom prst="rect">
-            <a:avLst/>
-          </a:prstGeom>
-          <a:ln w="12700">
-            <a:miter lim="400000"/>
-          </a:ln>
-          <a:extLst>
-            <a:ext uri="{C572A759-6A51-4108-AA02-DFA0A04FC94B}">
-              <ma14:wrappingTextBoxFlag xmlns:ma14="http://schemas.microsoft.com/office/mac/drawingml/2011/main" val="1"/>
-            </a:ext>
-          </a:extLst>
-        </p:spPr>
-        <p:txBody>
-          <a:bodyPr lIns="0" tIns="0" rIns="0" bIns="0">
-            <a:spAutoFit/>
-          </a:bodyPr>
-          <a:lstStyle>
-            <a:lvl1pPr algn="l">
-              <a:defRPr sz="2000" cap="all" spc="100">
-                <a:solidFill>
-                  <a:srgbClr val="24262C"/>
-                </a:solidFill>
-                <a:latin typeface="Helvetica"/>
-                <a:ea typeface="Helvetica"/>
-                <a:cs typeface="Helvetica"/>
-                <a:sym typeface="Helvetica"/>
-              </a:defRPr>
-            </a:lvl1pPr>
-          </a:lstStyle>
-          <a:p>
-            <a:r>
-              <a:rPr dirty="0" smtClean="0"/>
-              <a:t>Audio</a:t>
-            </a:r>
-            <a:endParaRPr dirty="0"/>
-          </a:p>
-        </p:txBody>
-      </p:sp>
-      <p:sp>
-        <p:nvSpPr>
-          <p:cNvPr id="131" name="Communicate using high quality audio."/>
-          <p:cNvSpPr txBox="1"/>
-          <p:nvPr/>
-        </p:nvSpPr>
-        <p:spPr>
-          <a:xfrm>
-            <a:off x="13851655" y="7016799"/>
-            <a:ext cx="3320207" cy="1270001"/>
-          </a:xfrm>
-          <a:prstGeom prst="rect">
-            <a:avLst/>
-          </a:prstGeom>
-          <a:ln w="12700">
-            <a:miter lim="400000"/>
-          </a:ln>
-          <a:extLst>
-            <a:ext uri="{C572A759-6A51-4108-AA02-DFA0A04FC94B}">
-              <ma14:wrappingTextBoxFlag xmlns:ma14="http://schemas.microsoft.com/office/mac/drawingml/2011/main" val="1"/>
-            </a:ext>
-          </a:extLst>
-        </p:spPr>
-        <p:txBody>
-          <a:bodyPr lIns="0" tIns="0" rIns="0" bIns="0"/>
-          <a:lstStyle>
-            <a:lvl1pPr algn="l">
-              <a:lnSpc>
-                <a:spcPct val="120000"/>
-              </a:lnSpc>
-              <a:defRPr sz="2200" b="0" spc="66">
-                <a:solidFill>
-                  <a:srgbClr val="504E4E"/>
-                </a:solidFill>
-                <a:latin typeface="Helvetica"/>
-                <a:ea typeface="Helvetica"/>
-                <a:cs typeface="Helvetica"/>
-                <a:sym typeface="Helvetica"/>
-              </a:defRPr>
-            </a:lvl1pPr>
-          </a:lstStyle>
-          <a:p>
-            <a:r>
-              <a:rPr dirty="0"/>
-              <a:t>Communicate using high quality audio.</a:t>
-            </a:r>
-          </a:p>
-        </p:txBody>
-      </p:sp>
-      <p:sp>
-        <p:nvSpPr>
-          <p:cNvPr id="132" name="Circle"/>
-          <p:cNvSpPr/>
-          <p:nvPr/>
-        </p:nvSpPr>
-        <p:spPr>
-          <a:xfrm>
-            <a:off x="12507510" y="6573630"/>
-            <a:ext cx="1016001" cy="1016001"/>
-          </a:xfrm>
-          <a:prstGeom prst="ellipse">
-            <a:avLst/>
-          </a:prstGeom>
-          <a:solidFill>
-            <a:srgbClr val="0E70D7"/>
-          </a:solidFill>
-          <a:ln w="12700">
-            <a:miter lim="400000"/>
-          </a:ln>
-        </p:spPr>
-        <p:txBody>
-          <a:bodyPr lIns="38100" tIns="38100" rIns="38100" bIns="38100" anchor="ctr"/>
-          <a:lstStyle/>
-          <a:p>
-            <a:pPr algn="l">
-              <a:defRPr spc="-90">
-                <a:solidFill>
-                  <a:srgbClr val="0E70D7"/>
-                </a:solidFill>
-                <a:latin typeface="Helvetica"/>
-                <a:ea typeface="Helvetica"/>
-                <a:cs typeface="Helvetica"/>
-                <a:sym typeface="Helvetica"/>
-              </a:defRPr>
-            </a:pPr>
-            <a:endParaRPr/>
-          </a:p>
-        </p:txBody>
-      </p:sp>
-      <p:sp>
-        <p:nvSpPr>
-          <p:cNvPr id="133" name="Emojis"/>
-          <p:cNvSpPr txBox="1"/>
-          <p:nvPr/>
-        </p:nvSpPr>
-        <p:spPr>
-          <a:xfrm>
-            <a:off x="18844150" y="6546899"/>
-            <a:ext cx="3320208" cy="304801"/>
-          </a:xfrm>
-          <a:prstGeom prst="rect">
-            <a:avLst/>
-          </a:prstGeom>
-          <a:ln w="12700">
-            <a:miter lim="400000"/>
-          </a:ln>
-          <a:extLst>
-            <a:ext uri="{C572A759-6A51-4108-AA02-DFA0A04FC94B}">
-              <ma14:wrappingTextBoxFlag xmlns:ma14="http://schemas.microsoft.com/office/mac/drawingml/2011/main" val="1"/>
-            </a:ext>
-          </a:extLst>
-        </p:spPr>
-        <p:txBody>
-          <a:bodyPr lIns="0" tIns="0" rIns="0" bIns="0">
-            <a:spAutoFit/>
-          </a:bodyPr>
-          <a:lstStyle>
-            <a:lvl1pPr algn="l">
-              <a:defRPr sz="2000" cap="all" spc="100">
-                <a:solidFill>
-                  <a:srgbClr val="24262C"/>
-                </a:solidFill>
-                <a:latin typeface="Helvetica"/>
-                <a:ea typeface="Helvetica"/>
-                <a:cs typeface="Helvetica"/>
-                <a:sym typeface="Helvetica"/>
-              </a:defRPr>
-            </a:lvl1pPr>
-          </a:lstStyle>
-          <a:p>
-            <a:r>
-              <a:t>Emojis</a:t>
-            </a:r>
-          </a:p>
-        </p:txBody>
-      </p:sp>
-      <p:sp>
-        <p:nvSpPr>
-          <p:cNvPr id="134" name="Express yourself."/>
-          <p:cNvSpPr txBox="1"/>
-          <p:nvPr/>
-        </p:nvSpPr>
-        <p:spPr>
-          <a:xfrm>
-            <a:off x="18844150" y="7016799"/>
-            <a:ext cx="3320208" cy="1270001"/>
-          </a:xfrm>
-          <a:prstGeom prst="rect">
-            <a:avLst/>
-          </a:prstGeom>
-          <a:ln w="12700">
-            <a:miter lim="400000"/>
-          </a:ln>
-          <a:extLst>
-            <a:ext uri="{C572A759-6A51-4108-AA02-DFA0A04FC94B}">
-              <ma14:wrappingTextBoxFlag xmlns:ma14="http://schemas.microsoft.com/office/mac/drawingml/2011/main" val="1"/>
-            </a:ext>
-          </a:extLst>
-        </p:spPr>
-        <p:txBody>
-          <a:bodyPr lIns="0" tIns="0" rIns="0" bIns="0"/>
-          <a:lstStyle>
-            <a:lvl1pPr algn="l">
-              <a:lnSpc>
-                <a:spcPct val="120000"/>
-              </a:lnSpc>
-              <a:defRPr sz="2200" b="0" spc="66">
-                <a:solidFill>
-                  <a:srgbClr val="504E4E"/>
-                </a:solidFill>
-                <a:latin typeface="Helvetica"/>
-                <a:ea typeface="Helvetica"/>
-                <a:cs typeface="Helvetica"/>
-                <a:sym typeface="Helvetica"/>
-              </a:defRPr>
-            </a:lvl1pPr>
-          </a:lstStyle>
-          <a:p>
-            <a:r>
-              <a:t>Express yourself.</a:t>
-            </a:r>
-          </a:p>
-        </p:txBody>
-      </p:sp>
-      <p:sp>
-        <p:nvSpPr>
-          <p:cNvPr id="135" name="Circle"/>
-          <p:cNvSpPr/>
-          <p:nvPr/>
-        </p:nvSpPr>
-        <p:spPr>
-          <a:xfrm>
-            <a:off x="17500006" y="6573630"/>
-            <a:ext cx="1016001" cy="1016001"/>
-          </a:xfrm>
-          <a:prstGeom prst="ellipse">
-            <a:avLst/>
-          </a:prstGeom>
-          <a:solidFill>
-            <a:srgbClr val="0E70D7"/>
-          </a:solidFill>
-          <a:ln w="12700">
-            <a:miter lim="400000"/>
-          </a:ln>
-        </p:spPr>
-        <p:txBody>
-          <a:bodyPr lIns="38100" tIns="38100" rIns="38100" bIns="38100" anchor="ctr"/>
-          <a:lstStyle/>
-          <a:p>
-            <a:pPr algn="l">
-              <a:defRPr spc="-90">
-                <a:solidFill>
-                  <a:srgbClr val="0E70D7"/>
-                </a:solidFill>
-                <a:latin typeface="Helvetica"/>
-                <a:ea typeface="Helvetica"/>
-                <a:cs typeface="Helvetica"/>
-                <a:sym typeface="Helvetica"/>
-              </a:defRPr>
-            </a:pPr>
-            <a:endParaRPr/>
-          </a:p>
-        </p:txBody>
-      </p:sp>
-      <p:sp>
-        <p:nvSpPr>
-          <p:cNvPr id="136" name="BREAKOUT ROOMS"/>
-          <p:cNvSpPr txBox="1"/>
-          <p:nvPr/>
-        </p:nvSpPr>
-        <p:spPr>
-          <a:xfrm>
-            <a:off x="3549164" y="8909099"/>
-            <a:ext cx="4117877" cy="304801"/>
-          </a:xfrm>
-          <a:prstGeom prst="rect">
-            <a:avLst/>
-          </a:prstGeom>
-          <a:ln w="12700">
-            <a:miter lim="400000"/>
-          </a:ln>
-          <a:extLst>
-            <a:ext uri="{C572A759-6A51-4108-AA02-DFA0A04FC94B}">
-              <ma14:wrappingTextBoxFlag xmlns:ma14="http://schemas.microsoft.com/office/mac/drawingml/2011/main" val="1"/>
-            </a:ext>
-          </a:extLst>
-        </p:spPr>
-        <p:txBody>
-          <a:bodyPr lIns="0" tIns="0" rIns="0" bIns="0">
-            <a:spAutoFit/>
-          </a:bodyPr>
-          <a:lstStyle>
-            <a:lvl1pPr algn="l">
-              <a:defRPr sz="2000" cap="all" spc="100">
-                <a:solidFill>
-                  <a:srgbClr val="24262C"/>
-                </a:solidFill>
-                <a:latin typeface="Helvetica"/>
-                <a:ea typeface="Helvetica"/>
-                <a:cs typeface="Helvetica"/>
-                <a:sym typeface="Helvetica"/>
-              </a:defRPr>
-            </a:lvl1pPr>
-          </a:lstStyle>
-          <a:p>
-            <a:r>
-              <a:t>BREAKOUT ROOMS</a:t>
-            </a:r>
-          </a:p>
-        </p:txBody>
-      </p:sp>
-      <p:sp>
-        <p:nvSpPr>
-          <p:cNvPr id="137" name="Group users into breakout rooms for team collaboration."/>
-          <p:cNvSpPr txBox="1"/>
-          <p:nvPr/>
-        </p:nvSpPr>
-        <p:spPr>
-          <a:xfrm>
-            <a:off x="3549164" y="9378999"/>
-            <a:ext cx="3320208" cy="1270001"/>
-          </a:xfrm>
-          <a:prstGeom prst="rect">
-            <a:avLst/>
-          </a:prstGeom>
-          <a:ln w="12700">
-            <a:miter lim="400000"/>
-          </a:ln>
-          <a:extLst>
-            <a:ext uri="{C572A759-6A51-4108-AA02-DFA0A04FC94B}">
-              <ma14:wrappingTextBoxFlag xmlns:ma14="http://schemas.microsoft.com/office/mac/drawingml/2011/main" val="1"/>
-            </a:ext>
-          </a:extLst>
-        </p:spPr>
-        <p:txBody>
-          <a:bodyPr lIns="0" tIns="0" rIns="0" bIns="0"/>
-          <a:lstStyle>
-            <a:lvl1pPr algn="l">
-              <a:lnSpc>
-                <a:spcPct val="120000"/>
-              </a:lnSpc>
-              <a:defRPr sz="2200" b="0" spc="66">
-                <a:solidFill>
-                  <a:srgbClr val="504E4E"/>
-                </a:solidFill>
-                <a:latin typeface="Helvetica"/>
-                <a:ea typeface="Helvetica"/>
-                <a:cs typeface="Helvetica"/>
-                <a:sym typeface="Helvetica"/>
-              </a:defRPr>
-            </a:lvl1pPr>
-          </a:lstStyle>
-          <a:p>
-            <a:r>
-              <a:t>Group users into breakout rooms for team collaboration.</a:t>
-            </a:r>
-          </a:p>
-        </p:txBody>
-      </p:sp>
-      <p:sp>
-        <p:nvSpPr>
-          <p:cNvPr id="138" name="Circle"/>
-          <p:cNvSpPr/>
-          <p:nvPr/>
-        </p:nvSpPr>
-        <p:spPr>
-          <a:xfrm>
-            <a:off x="2205020" y="8935830"/>
-            <a:ext cx="1016001" cy="1016001"/>
-          </a:xfrm>
-          <a:prstGeom prst="ellipse">
-            <a:avLst/>
-          </a:prstGeom>
-          <a:solidFill>
-            <a:srgbClr val="0E70D7"/>
-          </a:solidFill>
-          <a:ln w="12700">
-            <a:miter lim="400000"/>
-          </a:ln>
-        </p:spPr>
-        <p:txBody>
-          <a:bodyPr lIns="38100" tIns="38100" rIns="38100" bIns="38100" anchor="ctr"/>
-          <a:lstStyle/>
-          <a:p>
-            <a:pPr algn="l">
-              <a:defRPr spc="-90">
-                <a:solidFill>
-                  <a:srgbClr val="0E70D7"/>
-                </a:solidFill>
-                <a:latin typeface="Helvetica"/>
-                <a:ea typeface="Helvetica"/>
-                <a:cs typeface="Helvetica"/>
-                <a:sym typeface="Helvetica"/>
-              </a:defRPr>
-            </a:pPr>
-            <a:endParaRPr/>
-          </a:p>
-        </p:txBody>
-      </p:sp>
-      <p:sp>
-        <p:nvSpPr>
-          <p:cNvPr id="139" name="Polling"/>
-          <p:cNvSpPr txBox="1"/>
-          <p:nvPr/>
-        </p:nvSpPr>
-        <p:spPr>
-          <a:xfrm>
-            <a:off x="8541660" y="8909099"/>
-            <a:ext cx="3320207" cy="304801"/>
-          </a:xfrm>
-          <a:prstGeom prst="rect">
-            <a:avLst/>
-          </a:prstGeom>
-          <a:ln w="12700">
-            <a:miter lim="400000"/>
-          </a:ln>
-          <a:extLst>
-            <a:ext uri="{C572A759-6A51-4108-AA02-DFA0A04FC94B}">
-              <ma14:wrappingTextBoxFlag xmlns:ma14="http://schemas.microsoft.com/office/mac/drawingml/2011/main" val="1"/>
-            </a:ext>
-          </a:extLst>
-        </p:spPr>
-        <p:txBody>
-          <a:bodyPr lIns="0" tIns="0" rIns="0" bIns="0">
-            <a:spAutoFit/>
-          </a:bodyPr>
-          <a:lstStyle>
-            <a:lvl1pPr algn="l">
-              <a:defRPr sz="2000" cap="all" spc="100">
-                <a:solidFill>
-                  <a:srgbClr val="24262C"/>
-                </a:solidFill>
-                <a:latin typeface="Helvetica"/>
-                <a:ea typeface="Helvetica"/>
-                <a:cs typeface="Helvetica"/>
-                <a:sym typeface="Helvetica"/>
-              </a:defRPr>
-            </a:lvl1pPr>
-          </a:lstStyle>
-          <a:p>
-            <a:r>
-              <a:t>Polling</a:t>
-            </a:r>
-          </a:p>
-        </p:txBody>
-      </p:sp>
-      <p:sp>
-        <p:nvSpPr>
-          <p:cNvPr id="140" name="Poll your users anytime."/>
-          <p:cNvSpPr txBox="1"/>
-          <p:nvPr/>
-        </p:nvSpPr>
-        <p:spPr>
-          <a:xfrm>
-            <a:off x="8541660" y="9378999"/>
-            <a:ext cx="3320207" cy="1270001"/>
-          </a:xfrm>
-          <a:prstGeom prst="rect">
-            <a:avLst/>
-          </a:prstGeom>
-          <a:ln w="12700">
-            <a:miter lim="400000"/>
-          </a:ln>
-          <a:extLst>
-            <a:ext uri="{C572A759-6A51-4108-AA02-DFA0A04FC94B}">
-              <ma14:wrappingTextBoxFlag xmlns:ma14="http://schemas.microsoft.com/office/mac/drawingml/2011/main" val="1"/>
-            </a:ext>
-          </a:extLst>
-        </p:spPr>
-        <p:txBody>
-          <a:bodyPr lIns="0" tIns="0" rIns="0" bIns="0"/>
-          <a:lstStyle>
-            <a:lvl1pPr algn="l">
-              <a:lnSpc>
-                <a:spcPct val="120000"/>
-              </a:lnSpc>
-              <a:defRPr sz="2200" b="0" spc="66">
-                <a:solidFill>
-                  <a:srgbClr val="504E4E"/>
-                </a:solidFill>
-                <a:latin typeface="Helvetica"/>
-                <a:ea typeface="Helvetica"/>
-                <a:cs typeface="Helvetica"/>
-                <a:sym typeface="Helvetica"/>
-              </a:defRPr>
-            </a:lvl1pPr>
-          </a:lstStyle>
-          <a:p>
-            <a:r>
-              <a:t>Poll your users anytime.</a:t>
-            </a:r>
-          </a:p>
-        </p:txBody>
-      </p:sp>
-      <p:sp>
-        <p:nvSpPr>
-          <p:cNvPr id="141" name="Circle"/>
-          <p:cNvSpPr/>
-          <p:nvPr/>
-        </p:nvSpPr>
-        <p:spPr>
-          <a:xfrm>
-            <a:off x="7197515" y="8935830"/>
-            <a:ext cx="1016001" cy="1016001"/>
-          </a:xfrm>
-          <a:prstGeom prst="ellipse">
-            <a:avLst/>
-          </a:prstGeom>
-          <a:solidFill>
-            <a:srgbClr val="0E70D7"/>
-          </a:solidFill>
-          <a:ln w="12700">
-            <a:miter lim="400000"/>
-          </a:ln>
-        </p:spPr>
-        <p:txBody>
-          <a:bodyPr lIns="38100" tIns="38100" rIns="38100" bIns="38100" anchor="ctr"/>
-          <a:lstStyle/>
-          <a:p>
-            <a:pPr algn="l">
-              <a:defRPr spc="-90">
-                <a:solidFill>
-                  <a:srgbClr val="0E70D7"/>
-                </a:solidFill>
-                <a:latin typeface="Helvetica"/>
-                <a:ea typeface="Helvetica"/>
-                <a:cs typeface="Helvetica"/>
-                <a:sym typeface="Helvetica"/>
-              </a:defRPr>
-            </a:pPr>
-            <a:endParaRPr/>
-          </a:p>
-        </p:txBody>
-      </p:sp>
-      <p:sp>
-        <p:nvSpPr>
-          <p:cNvPr id="142" name="Screensharing"/>
-          <p:cNvSpPr txBox="1"/>
-          <p:nvPr/>
-        </p:nvSpPr>
-        <p:spPr>
-          <a:xfrm>
-            <a:off x="13851655" y="8909099"/>
-            <a:ext cx="3320207" cy="304801"/>
-          </a:xfrm>
-          <a:prstGeom prst="rect">
-            <a:avLst/>
-          </a:prstGeom>
-          <a:ln w="12700">
-            <a:miter lim="400000"/>
-          </a:ln>
-          <a:extLst>
-            <a:ext uri="{C572A759-6A51-4108-AA02-DFA0A04FC94B}">
-              <ma14:wrappingTextBoxFlag xmlns:ma14="http://schemas.microsoft.com/office/mac/drawingml/2011/main" val="1"/>
-            </a:ext>
-          </a:extLst>
-        </p:spPr>
-        <p:txBody>
-          <a:bodyPr lIns="0" tIns="0" rIns="0" bIns="0">
-            <a:spAutoFit/>
-          </a:bodyPr>
-          <a:lstStyle>
-            <a:lvl1pPr algn="l">
-              <a:defRPr sz="2000" cap="all" spc="100">
-                <a:solidFill>
-                  <a:srgbClr val="24262C"/>
-                </a:solidFill>
-                <a:latin typeface="Helvetica"/>
-                <a:ea typeface="Helvetica"/>
-                <a:cs typeface="Helvetica"/>
-                <a:sym typeface="Helvetica"/>
-              </a:defRPr>
-            </a:lvl1pPr>
-          </a:lstStyle>
-          <a:p>
-            <a:r>
-              <a:rPr dirty="0" smtClean="0"/>
-              <a:t>Screen</a:t>
-            </a:r>
-            <a:r>
-              <a:rPr lang="en-US" dirty="0" smtClean="0"/>
-              <a:t> </a:t>
-            </a:r>
-            <a:r>
-              <a:rPr dirty="0" smtClean="0"/>
-              <a:t>sharing</a:t>
-            </a:r>
-            <a:endParaRPr dirty="0"/>
-          </a:p>
-        </p:txBody>
-      </p:sp>
-      <p:sp>
-        <p:nvSpPr>
-          <p:cNvPr id="143" name="Share your screen."/>
-          <p:cNvSpPr txBox="1"/>
-          <p:nvPr/>
-        </p:nvSpPr>
-        <p:spPr>
-          <a:xfrm>
-            <a:off x="13851655" y="9378999"/>
-            <a:ext cx="3320207" cy="1270001"/>
-          </a:xfrm>
-          <a:prstGeom prst="rect">
-            <a:avLst/>
-          </a:prstGeom>
-          <a:ln w="12700">
-            <a:miter lim="400000"/>
-          </a:ln>
-          <a:extLst>
-            <a:ext uri="{C572A759-6A51-4108-AA02-DFA0A04FC94B}">
-              <ma14:wrappingTextBoxFlag xmlns:ma14="http://schemas.microsoft.com/office/mac/drawingml/2011/main" val="1"/>
-            </a:ext>
-          </a:extLst>
-        </p:spPr>
-        <p:txBody>
-          <a:bodyPr lIns="0" tIns="0" rIns="0" bIns="0"/>
-          <a:lstStyle>
-            <a:lvl1pPr algn="l">
-              <a:lnSpc>
-                <a:spcPct val="120000"/>
-              </a:lnSpc>
-              <a:defRPr sz="2200" b="0" spc="66">
-                <a:solidFill>
-                  <a:srgbClr val="504E4E"/>
-                </a:solidFill>
-                <a:latin typeface="Helvetica"/>
-                <a:ea typeface="Helvetica"/>
-                <a:cs typeface="Helvetica"/>
-                <a:sym typeface="Helvetica"/>
-              </a:defRPr>
-            </a:lvl1pPr>
-          </a:lstStyle>
-          <a:p>
-            <a:r>
-              <a:t>Share your screen.</a:t>
-            </a:r>
-          </a:p>
-        </p:txBody>
-      </p:sp>
-      <p:sp>
-        <p:nvSpPr>
-          <p:cNvPr id="144" name="Circle"/>
-          <p:cNvSpPr/>
-          <p:nvPr/>
-        </p:nvSpPr>
-        <p:spPr>
-          <a:xfrm>
-            <a:off x="12507510" y="8935830"/>
-            <a:ext cx="1016001" cy="1016001"/>
-          </a:xfrm>
-          <a:prstGeom prst="ellipse">
-            <a:avLst/>
-          </a:prstGeom>
-          <a:solidFill>
-            <a:srgbClr val="0E70D7"/>
-          </a:solidFill>
-          <a:ln w="12700">
-            <a:miter lim="400000"/>
-          </a:ln>
-        </p:spPr>
-        <p:txBody>
-          <a:bodyPr lIns="38100" tIns="38100" rIns="38100" bIns="38100" anchor="ctr"/>
-          <a:lstStyle/>
-          <a:p>
-            <a:pPr algn="l">
-              <a:defRPr spc="-90">
-                <a:solidFill>
-                  <a:srgbClr val="0E70D7"/>
-                </a:solidFill>
-                <a:latin typeface="Helvetica"/>
-                <a:ea typeface="Helvetica"/>
-                <a:cs typeface="Helvetica"/>
-                <a:sym typeface="Helvetica"/>
-              </a:defRPr>
-            </a:pPr>
-            <a:endParaRPr/>
-          </a:p>
-        </p:txBody>
-      </p:sp>
-      <p:sp>
-        <p:nvSpPr>
-          <p:cNvPr id="145" name="Multi-user whiteboard"/>
-          <p:cNvSpPr txBox="1"/>
-          <p:nvPr/>
-        </p:nvSpPr>
-        <p:spPr>
-          <a:xfrm>
-            <a:off x="18844150" y="8909099"/>
-            <a:ext cx="3667461" cy="304801"/>
-          </a:xfrm>
-          <a:prstGeom prst="rect">
-            <a:avLst/>
-          </a:prstGeom>
-          <a:ln w="12700">
-            <a:miter lim="400000"/>
-          </a:ln>
-          <a:extLst>
-            <a:ext uri="{C572A759-6A51-4108-AA02-DFA0A04FC94B}">
-              <ma14:wrappingTextBoxFlag xmlns:ma14="http://schemas.microsoft.com/office/mac/drawingml/2011/main" val="1"/>
-            </a:ext>
-          </a:extLst>
-        </p:spPr>
-        <p:txBody>
-          <a:bodyPr lIns="0" tIns="0" rIns="0" bIns="0">
-            <a:spAutoFit/>
-          </a:bodyPr>
-          <a:lstStyle>
-            <a:lvl1pPr algn="l">
-              <a:defRPr sz="2000" cap="all" spc="100">
-                <a:solidFill>
-                  <a:srgbClr val="24262C"/>
-                </a:solidFill>
-                <a:latin typeface="Helvetica"/>
-                <a:ea typeface="Helvetica"/>
-                <a:cs typeface="Helvetica"/>
-                <a:sym typeface="Helvetica"/>
-              </a:defRPr>
-            </a:lvl1pPr>
-          </a:lstStyle>
-          <a:p>
-            <a:r>
-              <a:t>Multi-user whiteboard</a:t>
-            </a:r>
-          </a:p>
-        </p:txBody>
-      </p:sp>
-      <p:sp>
-        <p:nvSpPr>
-          <p:cNvPr id="146" name="Draw together."/>
-          <p:cNvSpPr txBox="1"/>
-          <p:nvPr/>
-        </p:nvSpPr>
-        <p:spPr>
-          <a:xfrm>
-            <a:off x="18844150" y="9378999"/>
-            <a:ext cx="3320208" cy="1270001"/>
-          </a:xfrm>
-          <a:prstGeom prst="rect">
-            <a:avLst/>
-          </a:prstGeom>
-          <a:ln w="12700">
-            <a:miter lim="400000"/>
-          </a:ln>
-          <a:extLst>
-            <a:ext uri="{C572A759-6A51-4108-AA02-DFA0A04FC94B}">
-              <ma14:wrappingTextBoxFlag xmlns:ma14="http://schemas.microsoft.com/office/mac/drawingml/2011/main" val="1"/>
-            </a:ext>
-          </a:extLst>
-        </p:spPr>
-        <p:txBody>
-          <a:bodyPr lIns="0" tIns="0" rIns="0" bIns="0"/>
-          <a:lstStyle>
-            <a:lvl1pPr algn="l">
-              <a:lnSpc>
-                <a:spcPct val="120000"/>
-              </a:lnSpc>
-              <a:defRPr sz="2200" b="0" spc="66">
-                <a:solidFill>
-                  <a:srgbClr val="504E4E"/>
-                </a:solidFill>
-                <a:latin typeface="Helvetica"/>
-                <a:ea typeface="Helvetica"/>
-                <a:cs typeface="Helvetica"/>
-                <a:sym typeface="Helvetica"/>
-              </a:defRPr>
-            </a:lvl1pPr>
-          </a:lstStyle>
-          <a:p>
-            <a:r>
-              <a:t>Draw together.</a:t>
-            </a:r>
-          </a:p>
-        </p:txBody>
-      </p:sp>
-      <p:sp>
-        <p:nvSpPr>
-          <p:cNvPr id="147" name="Circle"/>
-          <p:cNvSpPr/>
-          <p:nvPr/>
-        </p:nvSpPr>
-        <p:spPr>
-          <a:xfrm>
-            <a:off x="17500006" y="8935830"/>
-            <a:ext cx="1016001" cy="1016001"/>
-          </a:xfrm>
-          <a:prstGeom prst="ellipse">
-            <a:avLst/>
-          </a:prstGeom>
-          <a:solidFill>
-            <a:srgbClr val="0E70D7"/>
-          </a:solidFill>
-          <a:ln w="12700">
-            <a:miter lim="400000"/>
-          </a:ln>
-        </p:spPr>
-        <p:txBody>
-          <a:bodyPr lIns="38100" tIns="38100" rIns="38100" bIns="38100" anchor="ctr"/>
-          <a:lstStyle/>
-          <a:p>
-            <a:pPr algn="l">
-              <a:defRPr spc="-90">
-                <a:solidFill>
-                  <a:srgbClr val="0E70D7"/>
-                </a:solidFill>
-                <a:latin typeface="Helvetica"/>
-                <a:ea typeface="Helvetica"/>
-                <a:cs typeface="Helvetica"/>
-                <a:sym typeface="Helvetica"/>
-              </a:defRPr>
-            </a:pPr>
-            <a:endParaRPr/>
-          </a:p>
-        </p:txBody>
-      </p:sp>
-      <p:sp>
-        <p:nvSpPr>
-          <p:cNvPr id="148" name="For more information visit bigbluebutton.org →"/>
-          <p:cNvSpPr txBox="1"/>
-          <p:nvPr/>
-        </p:nvSpPr>
-        <p:spPr>
-          <a:xfrm>
-            <a:off x="6746255" y="11747599"/>
-            <a:ext cx="10561291" cy="711201"/>
-          </a:xfrm>
-          <a:prstGeom prst="rect">
-            <a:avLst/>
-          </a:prstGeom>
-          <a:ln w="12700">
-            <a:miter lim="400000"/>
-          </a:ln>
-          <a:extLst>
-            <a:ext uri="{C572A759-6A51-4108-AA02-DFA0A04FC94B}">
-              <ma14:wrappingTextBoxFlag xmlns:ma14="http://schemas.microsoft.com/office/mac/drawingml/2011/main" val="1"/>
-            </a:ext>
-          </a:extLst>
-        </p:spPr>
-        <p:txBody>
-          <a:bodyPr wrap="none" lIns="50800" tIns="50800" rIns="50800" bIns="50800" anchor="ctr">
-            <a:spAutoFit/>
-          </a:bodyPr>
-          <a:lstStyle/>
-          <a:p>
-            <a:pPr>
-              <a:defRPr sz="4000" b="0">
-                <a:solidFill>
-                  <a:srgbClr val="4E5A66"/>
-                </a:solidFill>
-                <a:latin typeface="Helvetica"/>
-                <a:ea typeface="Helvetica"/>
-                <a:cs typeface="Helvetica"/>
-                <a:sym typeface="Helvetica"/>
-              </a:defRPr>
-            </a:pPr>
-            <a:r>
-              <a:rPr dirty="0"/>
-              <a:t>For more information visit </a:t>
-            </a:r>
-            <a:r>
-              <a:rPr u="sng" dirty="0">
-                <a:solidFill>
-                  <a:srgbClr val="0E70D7"/>
-                </a:solidFill>
-                <a:hlinkClick r:id="rId2"/>
-              </a:rPr>
-              <a:t>bigbluebutton.org →</a:t>
-            </a:r>
-            <a:endParaRPr u="sng" dirty="0">
-              <a:solidFill>
-                <a:srgbClr val="0E70D7"/>
-              </a:solidFill>
-              <a:hlinkClick r:id="rId3"/>
-            </a:endParaRPr>
-          </a:p>
-        </p:txBody>
-      </p:sp>
       <p:pic>
         <p:nvPicPr>
-          <p:cNvPr id="149" name="Image" descr="Image"/>
+          <p:cNvPr id="2" name="Picture 1"/>
           <p:cNvPicPr>
             <a:picLocks noChangeAspect="1"/>
           </p:cNvPicPr>
           <p:nvPr/>
         </p:nvPicPr>
-        <p:blipFill>
-          <a:blip r:embed="rId4">
-            <a:extLst/>
+        <p:blipFill rotWithShape="1">
+          <a:blip r:embed="rId2">
+            <a:extLst>
+              <a:ext uri="{28A0092B-C50C-407E-A947-70E740481C1C}">
+                <a14:useLocalDpi xmlns:a14="http://schemas.microsoft.com/office/drawing/2010/main" val="0"/>
+              </a:ext>
+            </a:extLst>
           </a:blip>
-          <a:stretch>
-            <a:fillRect/>
-          </a:stretch>
+          <a:srcRect r="2222" b="-1"/>
+          <a:stretch/>
         </p:blipFill>
         <p:spPr>
           <a:xfrm>
-            <a:off x="2484202" y="6853030"/>
-            <a:ext cx="457637" cy="457201"/>
+            <a:off x="20" y="10"/>
+            <a:ext cx="24383980" cy="13715990"/>
           </a:xfrm>
           <a:prstGeom prst="rect">
             <a:avLst/>
           </a:prstGeom>
-          <a:ln w="12700">
-            <a:miter lim="400000"/>
-          </a:ln>
-        </p:spPr>
-      </p:pic>
-      <p:pic>
-        <p:nvPicPr>
-          <p:cNvPr id="150" name="Image" descr="Image"/>
-          <p:cNvPicPr>
-            <a:picLocks noChangeAspect="1"/>
-          </p:cNvPicPr>
-          <p:nvPr/>
-        </p:nvPicPr>
-        <p:blipFill>
-          <a:blip r:embed="rId5">
-            <a:extLst/>
-          </a:blip>
-          <a:stretch>
-            <a:fillRect/>
-          </a:stretch>
-        </p:blipFill>
-        <p:spPr>
-          <a:xfrm>
-            <a:off x="7477482" y="6934299"/>
-            <a:ext cx="494386" cy="294663"/>
-          </a:xfrm>
-          <a:prstGeom prst="rect">
-            <a:avLst/>
-          </a:prstGeom>
-          <a:ln w="12700">
-            <a:miter lim="400000"/>
-          </a:ln>
-        </p:spPr>
-      </p:pic>
-      <p:pic>
-        <p:nvPicPr>
-          <p:cNvPr id="151" name="Image" descr="Image"/>
-          <p:cNvPicPr>
-            <a:picLocks noChangeAspect="1"/>
-          </p:cNvPicPr>
-          <p:nvPr/>
-        </p:nvPicPr>
-        <p:blipFill>
-          <a:blip r:embed="rId6">
-            <a:extLst/>
-          </a:blip>
-          <a:stretch>
-            <a:fillRect/>
-          </a:stretch>
-        </p:blipFill>
-        <p:spPr>
-          <a:xfrm>
-            <a:off x="12849850" y="6853030"/>
-            <a:ext cx="331321" cy="457201"/>
-          </a:xfrm>
-          <a:prstGeom prst="rect">
-            <a:avLst/>
-          </a:prstGeom>
-          <a:ln w="12700">
-            <a:miter lim="400000"/>
-          </a:ln>
-        </p:spPr>
-      </p:pic>
-      <p:pic>
-        <p:nvPicPr>
-          <p:cNvPr id="152" name="Image" descr="Image"/>
-          <p:cNvPicPr>
-            <a:picLocks noChangeAspect="1"/>
-          </p:cNvPicPr>
-          <p:nvPr/>
-        </p:nvPicPr>
-        <p:blipFill>
-          <a:blip r:embed="rId7">
-            <a:extLst/>
-          </a:blip>
-          <a:stretch>
-            <a:fillRect/>
-          </a:stretch>
-        </p:blipFill>
-        <p:spPr>
-          <a:xfrm>
-            <a:off x="17792106" y="6856288"/>
-            <a:ext cx="381001" cy="450686"/>
-          </a:xfrm>
-          <a:prstGeom prst="rect">
-            <a:avLst/>
-          </a:prstGeom>
-          <a:ln w="12700">
-            <a:miter lim="400000"/>
-          </a:ln>
-        </p:spPr>
-      </p:pic>
-      <p:pic>
-        <p:nvPicPr>
-          <p:cNvPr id="153" name="Image" descr="Image"/>
-          <p:cNvPicPr>
-            <a:picLocks noChangeAspect="1"/>
-          </p:cNvPicPr>
-          <p:nvPr/>
-        </p:nvPicPr>
-        <p:blipFill>
-          <a:blip r:embed="rId8">
-            <a:extLst/>
-          </a:blip>
-          <a:stretch>
-            <a:fillRect/>
-          </a:stretch>
-        </p:blipFill>
-        <p:spPr>
-          <a:xfrm>
-            <a:off x="17771350" y="9231950"/>
-            <a:ext cx="494386" cy="423761"/>
-          </a:xfrm>
-          <a:prstGeom prst="rect">
-            <a:avLst/>
-          </a:prstGeom>
-          <a:ln w="12700">
-            <a:miter lim="400000"/>
-          </a:ln>
-        </p:spPr>
-      </p:pic>
-      <p:pic>
-        <p:nvPicPr>
-          <p:cNvPr id="154" name="Image" descr="Image"/>
-          <p:cNvPicPr>
-            <a:picLocks noChangeAspect="1"/>
-          </p:cNvPicPr>
-          <p:nvPr/>
-        </p:nvPicPr>
-        <p:blipFill>
-          <a:blip r:embed="rId9">
-            <a:extLst/>
-          </a:blip>
-          <a:stretch>
-            <a:fillRect/>
-          </a:stretch>
-        </p:blipFill>
-        <p:spPr>
-          <a:xfrm>
-            <a:off x="7495857" y="9300978"/>
-            <a:ext cx="457636" cy="285705"/>
-          </a:xfrm>
-          <a:prstGeom prst="rect">
-            <a:avLst/>
-          </a:prstGeom>
-          <a:ln w="12700">
-            <a:miter lim="400000"/>
-          </a:ln>
-        </p:spPr>
-      </p:pic>
-      <p:pic>
-        <p:nvPicPr>
-          <p:cNvPr id="155" name="Image" descr="Image"/>
-          <p:cNvPicPr>
-            <a:picLocks noChangeAspect="1"/>
-          </p:cNvPicPr>
-          <p:nvPr/>
-        </p:nvPicPr>
-        <p:blipFill>
-          <a:blip r:embed="rId10">
-            <a:extLst/>
-          </a:blip>
-          <a:stretch>
-            <a:fillRect/>
-          </a:stretch>
-        </p:blipFill>
-        <p:spPr>
-          <a:xfrm>
-            <a:off x="12778855" y="9231951"/>
-            <a:ext cx="473312" cy="423760"/>
-          </a:xfrm>
-          <a:prstGeom prst="rect">
-            <a:avLst/>
-          </a:prstGeom>
-          <a:ln w="12700">
-            <a:miter lim="400000"/>
-          </a:ln>
-        </p:spPr>
-      </p:pic>
-      <p:pic>
-        <p:nvPicPr>
-          <p:cNvPr id="156" name="Image" descr="Image"/>
-          <p:cNvPicPr>
-            <a:picLocks noChangeAspect="1"/>
-          </p:cNvPicPr>
-          <p:nvPr/>
-        </p:nvPicPr>
-        <p:blipFill>
-          <a:blip r:embed="rId11">
-            <a:extLst/>
-          </a:blip>
-          <a:stretch>
-            <a:fillRect/>
-          </a:stretch>
-        </p:blipFill>
-        <p:spPr>
-          <a:xfrm>
-            <a:off x="2465828" y="9197640"/>
-            <a:ext cx="494385" cy="492381"/>
-          </a:xfrm>
-          <a:prstGeom prst="rect">
-            <a:avLst/>
-          </a:prstGeom>
-          <a:ln w="12700">
-            <a:miter lim="400000"/>
-          </a:ln>
-        </p:spPr>
-      </p:pic>
-      <p:pic>
-        <p:nvPicPr>
-          <p:cNvPr id="157" name="Image" descr="Image"/>
-          <p:cNvPicPr>
-            <a:picLocks noChangeAspect="1"/>
-          </p:cNvPicPr>
-          <p:nvPr/>
-        </p:nvPicPr>
-        <p:blipFill>
-          <a:blip r:embed="rId12">
-            <a:extLst/>
-          </a:blip>
-          <a:srcRect l="15" r="9" b="25"/>
-          <a:stretch>
-            <a:fillRect/>
-          </a:stretch>
-        </p:blipFill>
-        <p:spPr>
-          <a:xfrm>
-            <a:off x="11506993" y="569066"/>
-            <a:ext cx="1596233" cy="1596233"/>
-          </a:xfrm>
-          <a:custGeom>
-            <a:avLst/>
-            <a:gdLst/>
-            <a:ahLst/>
-            <a:cxnLst>
-              <a:cxn ang="0">
-                <a:pos x="wd2" y="hd2"/>
-              </a:cxn>
-              <a:cxn ang="5400000">
-                <a:pos x="wd2" y="hd2"/>
-              </a:cxn>
-              <a:cxn ang="10800000">
-                <a:pos x="wd2" y="hd2"/>
-              </a:cxn>
-              <a:cxn ang="16200000">
-                <a:pos x="wd2" y="hd2"/>
-              </a:cxn>
-            </a:cxnLst>
-            <a:rect l="0" t="0" r="r" b="b"/>
-            <a:pathLst>
-              <a:path w="21600" h="21600" extrusionOk="0">
-                <a:moveTo>
-                  <a:pt x="6165" y="0"/>
-                </a:moveTo>
-                <a:lnTo>
-                  <a:pt x="6122" y="462"/>
-                </a:lnTo>
-                <a:cubicBezTo>
-                  <a:pt x="6083" y="867"/>
-                  <a:pt x="6024" y="931"/>
-                  <a:pt x="5650" y="951"/>
-                </a:cubicBezTo>
-                <a:cubicBezTo>
-                  <a:pt x="5414" y="963"/>
-                  <a:pt x="5151" y="981"/>
-                  <a:pt x="5070" y="988"/>
-                </a:cubicBezTo>
-                <a:cubicBezTo>
-                  <a:pt x="4989" y="995"/>
-                  <a:pt x="4711" y="1198"/>
-                  <a:pt x="4452" y="1434"/>
-                </a:cubicBezTo>
-                <a:cubicBezTo>
-                  <a:pt x="4194" y="1670"/>
-                  <a:pt x="3903" y="1858"/>
-                  <a:pt x="3802" y="1858"/>
-                </a:cubicBezTo>
-                <a:cubicBezTo>
-                  <a:pt x="3702" y="1858"/>
-                  <a:pt x="3548" y="2021"/>
-                  <a:pt x="3459" y="2218"/>
-                </a:cubicBezTo>
-                <a:cubicBezTo>
-                  <a:pt x="3366" y="2422"/>
-                  <a:pt x="3172" y="2578"/>
-                  <a:pt x="3013" y="2578"/>
-                </a:cubicBezTo>
-                <a:cubicBezTo>
-                  <a:pt x="2814" y="2578"/>
-                  <a:pt x="2723" y="2690"/>
-                  <a:pt x="2691" y="2970"/>
-                </a:cubicBezTo>
-                <a:cubicBezTo>
-                  <a:pt x="2659" y="3243"/>
-                  <a:pt x="2551" y="3375"/>
-                  <a:pt x="2342" y="3405"/>
-                </a:cubicBezTo>
-                <a:cubicBezTo>
-                  <a:pt x="2175" y="3429"/>
-                  <a:pt x="1964" y="3611"/>
-                  <a:pt x="1874" y="3808"/>
-                </a:cubicBezTo>
-                <a:cubicBezTo>
-                  <a:pt x="1777" y="4021"/>
-                  <a:pt x="1645" y="4126"/>
-                  <a:pt x="1547" y="4065"/>
-                </a:cubicBezTo>
-                <a:cubicBezTo>
-                  <a:pt x="1442" y="4001"/>
-                  <a:pt x="1424" y="4024"/>
-                  <a:pt x="1493" y="4135"/>
-                </a:cubicBezTo>
-                <a:cubicBezTo>
-                  <a:pt x="1562" y="4247"/>
-                  <a:pt x="1491" y="4338"/>
-                  <a:pt x="1300" y="4388"/>
-                </a:cubicBezTo>
-                <a:cubicBezTo>
-                  <a:pt x="1062" y="4450"/>
-                  <a:pt x="999" y="4580"/>
-                  <a:pt x="999" y="5000"/>
-                </a:cubicBezTo>
-                <a:cubicBezTo>
-                  <a:pt x="999" y="5292"/>
-                  <a:pt x="951" y="5580"/>
-                  <a:pt x="891" y="5639"/>
-                </a:cubicBezTo>
-                <a:cubicBezTo>
-                  <a:pt x="832" y="5698"/>
-                  <a:pt x="784" y="5821"/>
-                  <a:pt x="784" y="5913"/>
-                </a:cubicBezTo>
-                <a:cubicBezTo>
-                  <a:pt x="784" y="6005"/>
-                  <a:pt x="608" y="6103"/>
-                  <a:pt x="392" y="6128"/>
-                </a:cubicBezTo>
-                <a:lnTo>
-                  <a:pt x="0" y="6171"/>
-                </a:lnTo>
-                <a:lnTo>
-                  <a:pt x="0" y="7691"/>
-                </a:lnTo>
-                <a:lnTo>
-                  <a:pt x="5" y="15381"/>
-                </a:lnTo>
-                <a:lnTo>
-                  <a:pt x="462" y="15596"/>
-                </a:lnTo>
-                <a:cubicBezTo>
-                  <a:pt x="766" y="15737"/>
-                  <a:pt x="945" y="15932"/>
-                  <a:pt x="977" y="16165"/>
-                </a:cubicBezTo>
-                <a:cubicBezTo>
-                  <a:pt x="1005" y="16360"/>
-                  <a:pt x="1181" y="16703"/>
-                  <a:pt x="1369" y="16928"/>
-                </a:cubicBezTo>
-                <a:cubicBezTo>
-                  <a:pt x="1567" y="17162"/>
-                  <a:pt x="1713" y="17522"/>
-                  <a:pt x="1713" y="17771"/>
-                </a:cubicBezTo>
-                <a:cubicBezTo>
-                  <a:pt x="1713" y="18157"/>
-                  <a:pt x="1753" y="18191"/>
-                  <a:pt x="2057" y="18115"/>
-                </a:cubicBezTo>
-                <a:cubicBezTo>
-                  <a:pt x="2489" y="18006"/>
-                  <a:pt x="2834" y="18356"/>
-                  <a:pt x="2589" y="18652"/>
-                </a:cubicBezTo>
-                <a:cubicBezTo>
-                  <a:pt x="2378" y="18905"/>
-                  <a:pt x="2718" y="19219"/>
-                  <a:pt x="3061" y="19087"/>
-                </a:cubicBezTo>
-                <a:cubicBezTo>
-                  <a:pt x="3237" y="19019"/>
-                  <a:pt x="3342" y="19112"/>
-                  <a:pt x="3464" y="19436"/>
-                </a:cubicBezTo>
-                <a:cubicBezTo>
-                  <a:pt x="3581" y="19745"/>
-                  <a:pt x="3739" y="19889"/>
-                  <a:pt x="3996" y="19919"/>
-                </a:cubicBezTo>
-                <a:cubicBezTo>
-                  <a:pt x="4242" y="19948"/>
-                  <a:pt x="4374" y="20061"/>
-                  <a:pt x="4404" y="20268"/>
-                </a:cubicBezTo>
-                <a:cubicBezTo>
-                  <a:pt x="4439" y="20514"/>
-                  <a:pt x="4579" y="20596"/>
-                  <a:pt x="5118" y="20676"/>
-                </a:cubicBezTo>
-                <a:cubicBezTo>
-                  <a:pt x="5888" y="20791"/>
-                  <a:pt x="6149" y="20956"/>
-                  <a:pt x="6149" y="21337"/>
-                </a:cubicBezTo>
-                <a:cubicBezTo>
-                  <a:pt x="6149" y="21551"/>
-                  <a:pt x="6577" y="21591"/>
-                  <a:pt x="10843" y="21600"/>
-                </a:cubicBezTo>
-                <a:cubicBezTo>
-                  <a:pt x="15184" y="21592"/>
-                  <a:pt x="15470" y="21552"/>
-                  <a:pt x="15408" y="21315"/>
-                </a:cubicBezTo>
-                <a:cubicBezTo>
-                  <a:pt x="15334" y="21034"/>
-                  <a:pt x="15780" y="20639"/>
-                  <a:pt x="16074" y="20725"/>
-                </a:cubicBezTo>
-                <a:cubicBezTo>
-                  <a:pt x="16142" y="20744"/>
-                  <a:pt x="16343" y="20663"/>
-                  <a:pt x="16520" y="20547"/>
-                </a:cubicBezTo>
-                <a:cubicBezTo>
-                  <a:pt x="16696" y="20432"/>
-                  <a:pt x="17081" y="20292"/>
-                  <a:pt x="17379" y="20236"/>
-                </a:cubicBezTo>
-                <a:cubicBezTo>
-                  <a:pt x="17912" y="20136"/>
-                  <a:pt x="18453" y="19745"/>
-                  <a:pt x="18453" y="19457"/>
-                </a:cubicBezTo>
-                <a:cubicBezTo>
-                  <a:pt x="18453" y="19376"/>
-                  <a:pt x="18554" y="19269"/>
-                  <a:pt x="18678" y="19221"/>
-                </a:cubicBezTo>
-                <a:cubicBezTo>
-                  <a:pt x="18803" y="19173"/>
-                  <a:pt x="18962" y="18983"/>
-                  <a:pt x="19033" y="18797"/>
-                </a:cubicBezTo>
-                <a:cubicBezTo>
-                  <a:pt x="19104" y="18609"/>
-                  <a:pt x="19283" y="18458"/>
-                  <a:pt x="19430" y="18458"/>
-                </a:cubicBezTo>
-                <a:cubicBezTo>
-                  <a:pt x="19775" y="18458"/>
-                  <a:pt x="20089" y="17862"/>
-                  <a:pt x="19978" y="17422"/>
-                </a:cubicBezTo>
-                <a:cubicBezTo>
-                  <a:pt x="19910" y="17151"/>
-                  <a:pt x="19982" y="17008"/>
-                  <a:pt x="20316" y="16761"/>
-                </a:cubicBezTo>
-                <a:cubicBezTo>
-                  <a:pt x="20663" y="16505"/>
-                  <a:pt x="20741" y="16341"/>
-                  <a:pt x="20741" y="15886"/>
-                </a:cubicBezTo>
-                <a:cubicBezTo>
-                  <a:pt x="20741" y="15329"/>
-                  <a:pt x="20929" y="15028"/>
-                  <a:pt x="21101" y="15306"/>
-                </a:cubicBezTo>
-                <a:cubicBezTo>
-                  <a:pt x="21150" y="15386"/>
-                  <a:pt x="21283" y="15451"/>
-                  <a:pt x="21396" y="15451"/>
-                </a:cubicBezTo>
-                <a:cubicBezTo>
-                  <a:pt x="21573" y="15451"/>
-                  <a:pt x="21600" y="14360"/>
-                  <a:pt x="21600" y="7728"/>
-                </a:cubicBezTo>
-                <a:lnTo>
-                  <a:pt x="21600" y="6155"/>
-                </a:lnTo>
-                <a:lnTo>
-                  <a:pt x="21240" y="6155"/>
-                </a:lnTo>
-                <a:cubicBezTo>
-                  <a:pt x="20839" y="6155"/>
-                  <a:pt x="20807" y="6088"/>
-                  <a:pt x="20676" y="5113"/>
-                </a:cubicBezTo>
-                <a:cubicBezTo>
-                  <a:pt x="20607" y="4597"/>
-                  <a:pt x="20521" y="4436"/>
-                  <a:pt x="20333" y="4436"/>
-                </a:cubicBezTo>
-                <a:cubicBezTo>
-                  <a:pt x="20011" y="4436"/>
-                  <a:pt x="19742" y="4161"/>
-                  <a:pt x="19742" y="3835"/>
-                </a:cubicBezTo>
-                <a:cubicBezTo>
-                  <a:pt x="19742" y="3693"/>
-                  <a:pt x="19676" y="3570"/>
-                  <a:pt x="19597" y="3561"/>
-                </a:cubicBezTo>
-                <a:cubicBezTo>
-                  <a:pt x="19518" y="3551"/>
-                  <a:pt x="19377" y="3533"/>
-                  <a:pt x="19280" y="3523"/>
-                </a:cubicBezTo>
-                <a:cubicBezTo>
-                  <a:pt x="19183" y="3513"/>
-                  <a:pt x="19088" y="3319"/>
-                  <a:pt x="19071" y="3093"/>
-                </a:cubicBezTo>
-                <a:cubicBezTo>
-                  <a:pt x="19033" y="2600"/>
-                  <a:pt x="19028" y="2596"/>
-                  <a:pt x="18587" y="2529"/>
-                </a:cubicBezTo>
-                <a:cubicBezTo>
-                  <a:pt x="18361" y="2495"/>
-                  <a:pt x="18225" y="2370"/>
-                  <a:pt x="18195" y="2170"/>
-                </a:cubicBezTo>
-                <a:cubicBezTo>
-                  <a:pt x="18165" y="1969"/>
-                  <a:pt x="18044" y="1858"/>
-                  <a:pt x="17851" y="1858"/>
-                </a:cubicBezTo>
-                <a:cubicBezTo>
-                  <a:pt x="17689" y="1858"/>
-                  <a:pt x="17308" y="1634"/>
-                  <a:pt x="17003" y="1359"/>
-                </a:cubicBezTo>
-                <a:cubicBezTo>
-                  <a:pt x="16632" y="1024"/>
-                  <a:pt x="16309" y="859"/>
-                  <a:pt x="16025" y="859"/>
-                </a:cubicBezTo>
-                <a:cubicBezTo>
-                  <a:pt x="15592" y="859"/>
-                  <a:pt x="15285" y="520"/>
-                  <a:pt x="15408" y="177"/>
-                </a:cubicBezTo>
-                <a:cubicBezTo>
-                  <a:pt x="15459" y="36"/>
-                  <a:pt x="13863" y="0"/>
-                  <a:pt x="7733" y="0"/>
-                </a:cubicBezTo>
-                <a:lnTo>
-                  <a:pt x="6165" y="0"/>
-                </a:lnTo>
-                <a:close/>
-              </a:path>
-            </a:pathLst>
-          </a:custGeom>
-          <a:ln w="12700">
-            <a:miter lim="400000"/>
-          </a:ln>
         </p:spPr>
       </p:pic>
     </p:spTree>
+    <p:extLst>
+      <p:ext uri="{BB962C8B-B14F-4D97-AF65-F5344CB8AC3E}">
+        <p14:creationId xmlns:p14="http://schemas.microsoft.com/office/powerpoint/2010/main" val="2770698413"/>
+      </p:ext>
+    </p:extLst>
   </p:cSld>
   <p:clrMapOvr>
     <a:masterClrMapping/>
   </p:clrMapOvr>
-  <p:transition xmlns:p14="http://schemas.microsoft.com/office/powerpoint/2010/main" spd="med"/>
+  <p:transition spd="med"/>
 </p:sld>
 </file>
 
@@ -5219,7 +3301,7 @@
   <p:clrMapOvr>
     <a:masterClrMapping/>
   </p:clrMapOvr>
-  <p:transition xmlns:p14="http://schemas.microsoft.com/office/powerpoint/2010/main" spd="med"/>
+  <p:transition spd="med"/>
 </p:sld>
 </file>
 
@@ -5344,7 +3426,7 @@
   <p:clrMapOvr>
     <a:masterClrMapping/>
   </p:clrMapOvr>
-  <p:transition xmlns:p14="http://schemas.microsoft.com/office/powerpoint/2010/main" spd="med"/>
+  <p:transition spd="med"/>
 </p:sld>
 </file>
 
@@ -5469,7 +3551,7 @@
   <p:clrMapOvr>
     <a:masterClrMapping/>
   </p:clrMapOvr>
-  <p:transition xmlns:p14="http://schemas.microsoft.com/office/powerpoint/2010/main" spd="med"/>
+  <p:transition spd="med"/>
 </p:sld>
 </file>
 
@@ -5594,7 +3676,7 @@
   <p:clrMapOvr>
     <a:masterClrMapping/>
   </p:clrMapOvr>
-  <p:transition xmlns:p14="http://schemas.microsoft.com/office/powerpoint/2010/main" spd="med"/>
+  <p:transition spd="med"/>
 </p:sld>
 </file>
 
@@ -5719,7 +3801,7 @@
   <p:clrMapOvr>
     <a:masterClrMapping/>
   </p:clrMapOvr>
-  <p:transition xmlns:p14="http://schemas.microsoft.com/office/powerpoint/2010/main" spd="med"/>
+  <p:transition spd="med"/>
 </p:sld>
 </file>
 
